--- a/Unit2/Day4.pptx
+++ b/Unit2/Day4.pptx
@@ -195,7 +195,7 @@
           <a:p>
             <a:fld id="{74E1A692-F14D-4700-A380-13B24C6ECA86}" type="datetimeFigureOut">
               <a:rPr lang="en-IN" smtClean="0"/>
-              <a:t>08-09-2015</a:t>
+              <a:t>10-02-2016</a:t>
             </a:fld>
             <a:endParaRPr lang="en-IN"/>
           </a:p>
@@ -721,7 +721,7 @@
             <a:fld id="{1D8BD707-D9CF-40AE-B4C6-C98DA3205C09}" type="datetimeFigureOut">
               <a:rPr lang="en-US" smtClean="0"/>
               <a:pPr/>
-              <a:t>9/8/2015</a:t>
+              <a:t>2/10/2016</a:t>
             </a:fld>
             <a:endParaRPr lang="en-US"/>
           </a:p>
@@ -888,7 +888,7 @@
             <a:fld id="{1D8BD707-D9CF-40AE-B4C6-C98DA3205C09}" type="datetimeFigureOut">
               <a:rPr lang="en-US" smtClean="0"/>
               <a:pPr/>
-              <a:t>9/8/2015</a:t>
+              <a:t>2/10/2016</a:t>
             </a:fld>
             <a:endParaRPr lang="en-US"/>
           </a:p>
@@ -1065,7 +1065,7 @@
             <a:fld id="{1D8BD707-D9CF-40AE-B4C6-C98DA3205C09}" type="datetimeFigureOut">
               <a:rPr lang="en-US" smtClean="0"/>
               <a:pPr/>
-              <a:t>9/8/2015</a:t>
+              <a:t>2/10/2016</a:t>
             </a:fld>
             <a:endParaRPr lang="en-US"/>
           </a:p>
@@ -1232,7 +1232,7 @@
             <a:fld id="{1D8BD707-D9CF-40AE-B4C6-C98DA3205C09}" type="datetimeFigureOut">
               <a:rPr lang="en-US" smtClean="0"/>
               <a:pPr/>
-              <a:t>9/8/2015</a:t>
+              <a:t>2/10/2016</a:t>
             </a:fld>
             <a:endParaRPr lang="en-US"/>
           </a:p>
@@ -1476,7 +1476,7 @@
             <a:fld id="{1D8BD707-D9CF-40AE-B4C6-C98DA3205C09}" type="datetimeFigureOut">
               <a:rPr lang="en-US" smtClean="0"/>
               <a:pPr/>
-              <a:t>9/8/2015</a:t>
+              <a:t>2/10/2016</a:t>
             </a:fld>
             <a:endParaRPr lang="en-US"/>
           </a:p>
@@ -1742,7 +1742,7 @@
             <a:fld id="{1D8BD707-D9CF-40AE-B4C6-C98DA3205C09}" type="datetimeFigureOut">
               <a:rPr lang="en-US" smtClean="0"/>
               <a:pPr/>
-              <a:t>9/8/2015</a:t>
+              <a:t>2/10/2016</a:t>
             </a:fld>
             <a:endParaRPr lang="en-US"/>
           </a:p>
@@ -2122,7 +2122,7 @@
             <a:fld id="{1D8BD707-D9CF-40AE-B4C6-C98DA3205C09}" type="datetimeFigureOut">
               <a:rPr lang="en-US" smtClean="0"/>
               <a:pPr/>
-              <a:t>9/8/2015</a:t>
+              <a:t>2/10/2016</a:t>
             </a:fld>
             <a:endParaRPr lang="en-US"/>
           </a:p>
@@ -2274,7 +2274,7 @@
             <a:fld id="{1D8BD707-D9CF-40AE-B4C6-C98DA3205C09}" type="datetimeFigureOut">
               <a:rPr lang="en-US" smtClean="0"/>
               <a:pPr/>
-              <a:t>9/8/2015</a:t>
+              <a:t>2/10/2016</a:t>
             </a:fld>
             <a:endParaRPr lang="en-US"/>
           </a:p>
@@ -2366,7 +2366,7 @@
             <a:fld id="{1D8BD707-D9CF-40AE-B4C6-C98DA3205C09}" type="datetimeFigureOut">
               <a:rPr lang="en-US" smtClean="0"/>
               <a:pPr/>
-              <a:t>9/8/2015</a:t>
+              <a:t>2/10/2016</a:t>
             </a:fld>
             <a:endParaRPr lang="en-US"/>
           </a:p>
@@ -2629,7 +2629,7 @@
             <a:fld id="{1D8BD707-D9CF-40AE-B4C6-C98DA3205C09}" type="datetimeFigureOut">
               <a:rPr lang="en-US" smtClean="0"/>
               <a:pPr/>
-              <a:t>9/8/2015</a:t>
+              <a:t>2/10/2016</a:t>
             </a:fld>
             <a:endParaRPr lang="en-US"/>
           </a:p>
@@ -2919,7 +2919,7 @@
             <a:fld id="{1D8BD707-D9CF-40AE-B4C6-C98DA3205C09}" type="datetimeFigureOut">
               <a:rPr lang="en-US" smtClean="0"/>
               <a:pPr/>
-              <a:t>9/8/2015</a:t>
+              <a:t>2/10/2016</a:t>
             </a:fld>
             <a:endParaRPr lang="en-US"/>
           </a:p>
@@ -3692,7 +3692,7 @@
             <a:fld id="{1D8BD707-D9CF-40AE-B4C6-C98DA3205C09}" type="datetimeFigureOut">
               <a:rPr lang="en-US" smtClean="0"/>
               <a:pPr/>
-              <a:t>9/8/2015</a:t>
+              <a:t>2/10/2016</a:t>
             </a:fld>
             <a:endParaRPr lang="en-US"/>
           </a:p>
@@ -4341,8 +4341,16 @@
               <a:rPr lang="en-US" dirty="0" smtClean="0"/>
             </a:br>
             <a:r>
+              <a:rPr lang="en-US" smtClean="0"/>
+              <a:t>Unit </a:t>
+            </a:r>
+            <a:r>
+              <a:rPr lang="en-US" smtClean="0"/>
+              <a:t>2- </a:t>
+            </a:r>
+            <a:r>
               <a:rPr lang="en-US" dirty="0" smtClean="0"/>
-              <a:t>Unit 1- Day4</a:t>
+              <a:t>Day4</a:t>
             </a:r>
             <a:br>
               <a:rPr lang="en-US" dirty="0" smtClean="0"/>
@@ -4536,7 +4544,7 @@
             <p:ph idx="1"/>
             <p:extLst>
               <p:ext uri="{D42A27DB-BD31-4B8C-83A1-F6EECF244321}">
-                <p14:modId xmlns:p14="http://schemas.microsoft.com/office/powerpoint/2010/main" val="1641277232"/>
+                <p14:modId xmlns:p14="http://schemas.microsoft.com/office/powerpoint/2010/main" val="3240497222"/>
               </p:ext>
             </p:extLst>
           </p:nvPr>
@@ -4549,7 +4557,7 @@
           <a:graphicData uri="http://schemas.openxmlformats.org/presentationml/2006/ole">
             <mc:AlternateContent xmlns:mc="http://schemas.openxmlformats.org/markup-compatibility/2006">
               <mc:Choice xmlns:v="urn:schemas-microsoft-com:vml" Requires="v">
-                <p:oleObj spid="_x0000_s1031" name="Packager Shell Object" showAsIcon="1" r:id="rId3" imgW="914400" imgH="771480" progId="Package">
+                <p:oleObj spid="_x0000_s1032" name="Packager Shell Object" showAsIcon="1" r:id="rId3" imgW="914400" imgH="771480" progId="Package">
                   <p:embed/>
                 </p:oleObj>
               </mc:Choice>
